--- a/ppt 16-9/1001.主是磐石.pptx
+++ b/ppt 16-9/1001.主是磐石.pptx
@@ -5,7 +5,7 @@
     <p:sldMasterId id="2147483648" r:id="rId1"/>
   </p:sldMasterIdLst>
   <p:sldIdLst>
-    <p:sldId id="413" r:id="rId2"/>
+    <p:sldId id="414" r:id="rId2"/>
   </p:sldIdLst>
   <p:sldSz cx="12192000" cy="6858000"/>
   <p:notesSz cx="6858000" cy="9144000"/>
@@ -129,7 +129,7 @@
           <p:cNvPr id="2" name="标题 1">
             <a:extLst>
               <a:ext uri="{FF2B5EF4-FFF2-40B4-BE49-F238E27FC236}">
-                <a16:creationId xmlns:a16="http://schemas.microsoft.com/office/drawing/2014/main" id="{AA049F07-279E-5D78-740E-4C51A32F8F64}"/>
+                <a16:creationId xmlns:a16="http://schemas.microsoft.com/office/drawing/2014/main" id="{58E49413-485F-52D1-4210-7AE0630A3E32}"/>
               </a:ext>
             </a:extLst>
           </p:cNvPr>
@@ -166,7 +166,7 @@
           <p:cNvPr id="3" name="副标题 2">
             <a:extLst>
               <a:ext uri="{FF2B5EF4-FFF2-40B4-BE49-F238E27FC236}">
-                <a16:creationId xmlns:a16="http://schemas.microsoft.com/office/drawing/2014/main" id="{FEC58437-B85A-BD66-DB5C-1A84C60C692E}"/>
+                <a16:creationId xmlns:a16="http://schemas.microsoft.com/office/drawing/2014/main" id="{F03FC7C4-6376-1109-CBA1-012D04744615}"/>
               </a:ext>
             </a:extLst>
           </p:cNvPr>
@@ -236,7 +236,7 @@
           <p:cNvPr id="4" name="日期占位符 3">
             <a:extLst>
               <a:ext uri="{FF2B5EF4-FFF2-40B4-BE49-F238E27FC236}">
-                <a16:creationId xmlns:a16="http://schemas.microsoft.com/office/drawing/2014/main" id="{346A8866-1BE8-DC5A-4F6C-42FA475859E0}"/>
+                <a16:creationId xmlns:a16="http://schemas.microsoft.com/office/drawing/2014/main" id="{5A98B28D-A09A-0B59-F21C-A1AC0A24DD14}"/>
               </a:ext>
             </a:extLst>
           </p:cNvPr>
@@ -252,7 +252,7 @@
           <a:bodyPr/>
           <a:lstStyle/>
           <a:p>
-            <a:fld id="{EE209A51-9B55-4F21-9FA4-884F2AFE8985}" type="datetimeFigureOut">
+            <a:fld id="{C2ED35D0-BBED-470F-B095-D8A0B8A1B523}" type="datetimeFigureOut">
               <a:rPr lang="zh-CN" altLang="en-US" smtClean="0"/>
               <a:t>2024/3/10</a:t>
             </a:fld>
@@ -265,7 +265,7 @@
           <p:cNvPr id="5" name="页脚占位符 4">
             <a:extLst>
               <a:ext uri="{FF2B5EF4-FFF2-40B4-BE49-F238E27FC236}">
-                <a16:creationId xmlns:a16="http://schemas.microsoft.com/office/drawing/2014/main" id="{16B88F52-9195-ED36-7770-016F24C58F8A}"/>
+                <a16:creationId xmlns:a16="http://schemas.microsoft.com/office/drawing/2014/main" id="{409D58BE-91B5-845C-8F36-C552A07CA73B}"/>
               </a:ext>
             </a:extLst>
           </p:cNvPr>
@@ -290,7 +290,7 @@
           <p:cNvPr id="6" name="灯片编号占位符 5">
             <a:extLst>
               <a:ext uri="{FF2B5EF4-FFF2-40B4-BE49-F238E27FC236}">
-                <a16:creationId xmlns:a16="http://schemas.microsoft.com/office/drawing/2014/main" id="{BDE4E27C-8DBE-0CB6-D00E-458F307891DE}"/>
+                <a16:creationId xmlns:a16="http://schemas.microsoft.com/office/drawing/2014/main" id="{23D11640-B61E-FF7F-A76D-4A7C6B68562E}"/>
               </a:ext>
             </a:extLst>
           </p:cNvPr>
@@ -306,7 +306,7 @@
           <a:bodyPr/>
           <a:lstStyle/>
           <a:p>
-            <a:fld id="{28646147-EA34-43F9-A322-8E6C8F75007D}" type="slidenum">
+            <a:fld id="{865D3A71-B1BA-4AD1-BF83-EEEB8943399D}" type="slidenum">
               <a:rPr lang="zh-CN" altLang="en-US" smtClean="0"/>
               <a:t>‹#›</a:t>
             </a:fld>
@@ -317,7 +317,7 @@
     </p:spTree>
     <p:extLst>
       <p:ext uri="{BB962C8B-B14F-4D97-AF65-F5344CB8AC3E}">
-        <p14:creationId xmlns:p14="http://schemas.microsoft.com/office/powerpoint/2010/main" val="519469437"/>
+        <p14:creationId xmlns:p14="http://schemas.microsoft.com/office/powerpoint/2010/main" val="3047901579"/>
       </p:ext>
     </p:extLst>
   </p:cSld>
@@ -349,7 +349,7 @@
           <p:cNvPr id="2" name="标题 1">
             <a:extLst>
               <a:ext uri="{FF2B5EF4-FFF2-40B4-BE49-F238E27FC236}">
-                <a16:creationId xmlns:a16="http://schemas.microsoft.com/office/drawing/2014/main" id="{1E71035F-086A-5C35-0CA9-05EAC2AA45FE}"/>
+                <a16:creationId xmlns:a16="http://schemas.microsoft.com/office/drawing/2014/main" id="{F1637D0B-713C-DF96-C6C7-BFD60A513874}"/>
               </a:ext>
             </a:extLst>
           </p:cNvPr>
@@ -377,7 +377,7 @@
           <p:cNvPr id="3" name="竖排文字占位符 2">
             <a:extLst>
               <a:ext uri="{FF2B5EF4-FFF2-40B4-BE49-F238E27FC236}">
-                <a16:creationId xmlns:a16="http://schemas.microsoft.com/office/drawing/2014/main" id="{3991FFB8-0DEC-222E-DEA9-4C10DADCEF09}"/>
+                <a16:creationId xmlns:a16="http://schemas.microsoft.com/office/drawing/2014/main" id="{1D1CF22F-2F45-34E6-AB4E-6359833FEFA2}"/>
               </a:ext>
             </a:extLst>
           </p:cNvPr>
@@ -434,7 +434,7 @@
           <p:cNvPr id="4" name="日期占位符 3">
             <a:extLst>
               <a:ext uri="{FF2B5EF4-FFF2-40B4-BE49-F238E27FC236}">
-                <a16:creationId xmlns:a16="http://schemas.microsoft.com/office/drawing/2014/main" id="{5EFCA083-D4ED-BC69-35CD-DF02F9DEB8ED}"/>
+                <a16:creationId xmlns:a16="http://schemas.microsoft.com/office/drawing/2014/main" id="{D7C1F5D6-E8D9-3497-4C71-8A3B26F018E3}"/>
               </a:ext>
             </a:extLst>
           </p:cNvPr>
@@ -450,7 +450,7 @@
           <a:bodyPr/>
           <a:lstStyle/>
           <a:p>
-            <a:fld id="{EE209A51-9B55-4F21-9FA4-884F2AFE8985}" type="datetimeFigureOut">
+            <a:fld id="{C2ED35D0-BBED-470F-B095-D8A0B8A1B523}" type="datetimeFigureOut">
               <a:rPr lang="zh-CN" altLang="en-US" smtClean="0"/>
               <a:t>2024/3/10</a:t>
             </a:fld>
@@ -463,7 +463,7 @@
           <p:cNvPr id="5" name="页脚占位符 4">
             <a:extLst>
               <a:ext uri="{FF2B5EF4-FFF2-40B4-BE49-F238E27FC236}">
-                <a16:creationId xmlns:a16="http://schemas.microsoft.com/office/drawing/2014/main" id="{6BA02A68-9078-2AC3-08EA-0CAFEE7BEAE8}"/>
+                <a16:creationId xmlns:a16="http://schemas.microsoft.com/office/drawing/2014/main" id="{A1034B84-02EC-AE7E-7739-F07E13AD09E9}"/>
               </a:ext>
             </a:extLst>
           </p:cNvPr>
@@ -488,7 +488,7 @@
           <p:cNvPr id="6" name="灯片编号占位符 5">
             <a:extLst>
               <a:ext uri="{FF2B5EF4-FFF2-40B4-BE49-F238E27FC236}">
-                <a16:creationId xmlns:a16="http://schemas.microsoft.com/office/drawing/2014/main" id="{FC8A8116-F856-6979-A11E-7FE72B8A5667}"/>
+                <a16:creationId xmlns:a16="http://schemas.microsoft.com/office/drawing/2014/main" id="{6CE5DAD9-F3F7-6C67-8204-13AE9A68A225}"/>
               </a:ext>
             </a:extLst>
           </p:cNvPr>
@@ -504,7 +504,7 @@
           <a:bodyPr/>
           <a:lstStyle/>
           <a:p>
-            <a:fld id="{28646147-EA34-43F9-A322-8E6C8F75007D}" type="slidenum">
+            <a:fld id="{865D3A71-B1BA-4AD1-BF83-EEEB8943399D}" type="slidenum">
               <a:rPr lang="zh-CN" altLang="en-US" smtClean="0"/>
               <a:t>‹#›</a:t>
             </a:fld>
@@ -515,7 +515,7 @@
     </p:spTree>
     <p:extLst>
       <p:ext uri="{BB962C8B-B14F-4D97-AF65-F5344CB8AC3E}">
-        <p14:creationId xmlns:p14="http://schemas.microsoft.com/office/powerpoint/2010/main" val="1938514847"/>
+        <p14:creationId xmlns:p14="http://schemas.microsoft.com/office/powerpoint/2010/main" val="1064913874"/>
       </p:ext>
     </p:extLst>
   </p:cSld>
@@ -547,7 +547,7 @@
           <p:cNvPr id="2" name="竖排标题 1">
             <a:extLst>
               <a:ext uri="{FF2B5EF4-FFF2-40B4-BE49-F238E27FC236}">
-                <a16:creationId xmlns:a16="http://schemas.microsoft.com/office/drawing/2014/main" id="{7617F408-E0D1-B798-92BD-92DCF3B57515}"/>
+                <a16:creationId xmlns:a16="http://schemas.microsoft.com/office/drawing/2014/main" id="{BA67D5BE-174D-3C18-8FD9-7F7C41F77696}"/>
               </a:ext>
             </a:extLst>
           </p:cNvPr>
@@ -580,7 +580,7 @@
           <p:cNvPr id="3" name="竖排文字占位符 2">
             <a:extLst>
               <a:ext uri="{FF2B5EF4-FFF2-40B4-BE49-F238E27FC236}">
-                <a16:creationId xmlns:a16="http://schemas.microsoft.com/office/drawing/2014/main" id="{57548450-0D9F-015E-97AA-5CA7127AB4AC}"/>
+                <a16:creationId xmlns:a16="http://schemas.microsoft.com/office/drawing/2014/main" id="{4AF82D31-0CC7-CCBB-1BB1-68A902D12C0B}"/>
               </a:ext>
             </a:extLst>
           </p:cNvPr>
@@ -642,7 +642,7 @@
           <p:cNvPr id="4" name="日期占位符 3">
             <a:extLst>
               <a:ext uri="{FF2B5EF4-FFF2-40B4-BE49-F238E27FC236}">
-                <a16:creationId xmlns:a16="http://schemas.microsoft.com/office/drawing/2014/main" id="{E4DB10F1-0326-DDE4-9104-B4D2EFC35335}"/>
+                <a16:creationId xmlns:a16="http://schemas.microsoft.com/office/drawing/2014/main" id="{C71AC7B6-941A-F15F-8C20-62562FF75AB2}"/>
               </a:ext>
             </a:extLst>
           </p:cNvPr>
@@ -658,7 +658,7 @@
           <a:bodyPr/>
           <a:lstStyle/>
           <a:p>
-            <a:fld id="{EE209A51-9B55-4F21-9FA4-884F2AFE8985}" type="datetimeFigureOut">
+            <a:fld id="{C2ED35D0-BBED-470F-B095-D8A0B8A1B523}" type="datetimeFigureOut">
               <a:rPr lang="zh-CN" altLang="en-US" smtClean="0"/>
               <a:t>2024/3/10</a:t>
             </a:fld>
@@ -671,7 +671,7 @@
           <p:cNvPr id="5" name="页脚占位符 4">
             <a:extLst>
               <a:ext uri="{FF2B5EF4-FFF2-40B4-BE49-F238E27FC236}">
-                <a16:creationId xmlns:a16="http://schemas.microsoft.com/office/drawing/2014/main" id="{2D261B71-08BB-EC3C-0E59-4DFEFE67C601}"/>
+                <a16:creationId xmlns:a16="http://schemas.microsoft.com/office/drawing/2014/main" id="{805A2E28-3387-A983-05BB-7580DD60DF58}"/>
               </a:ext>
             </a:extLst>
           </p:cNvPr>
@@ -696,7 +696,7 @@
           <p:cNvPr id="6" name="灯片编号占位符 5">
             <a:extLst>
               <a:ext uri="{FF2B5EF4-FFF2-40B4-BE49-F238E27FC236}">
-                <a16:creationId xmlns:a16="http://schemas.microsoft.com/office/drawing/2014/main" id="{8926E0DF-CE86-460C-7670-5796132C5083}"/>
+                <a16:creationId xmlns:a16="http://schemas.microsoft.com/office/drawing/2014/main" id="{5E0F9903-2919-4B8B-4968-10A00CFF64AE}"/>
               </a:ext>
             </a:extLst>
           </p:cNvPr>
@@ -712,7 +712,7 @@
           <a:bodyPr/>
           <a:lstStyle/>
           <a:p>
-            <a:fld id="{28646147-EA34-43F9-A322-8E6C8F75007D}" type="slidenum">
+            <a:fld id="{865D3A71-B1BA-4AD1-BF83-EEEB8943399D}" type="slidenum">
               <a:rPr lang="zh-CN" altLang="en-US" smtClean="0"/>
               <a:t>‹#›</a:t>
             </a:fld>
@@ -723,7 +723,7 @@
     </p:spTree>
     <p:extLst>
       <p:ext uri="{BB962C8B-B14F-4D97-AF65-F5344CB8AC3E}">
-        <p14:creationId xmlns:p14="http://schemas.microsoft.com/office/powerpoint/2010/main" val="9295942"/>
+        <p14:creationId xmlns:p14="http://schemas.microsoft.com/office/powerpoint/2010/main" val="2190194551"/>
       </p:ext>
     </p:extLst>
   </p:cSld>
@@ -755,7 +755,7 @@
           <p:cNvPr id="2" name="标题 1">
             <a:extLst>
               <a:ext uri="{FF2B5EF4-FFF2-40B4-BE49-F238E27FC236}">
-                <a16:creationId xmlns:a16="http://schemas.microsoft.com/office/drawing/2014/main" id="{C946EA65-CF27-1C27-08A3-B158F6DE90B1}"/>
+                <a16:creationId xmlns:a16="http://schemas.microsoft.com/office/drawing/2014/main" id="{28DEA64F-FA82-E9D1-77B0-9841BF99E895}"/>
               </a:ext>
             </a:extLst>
           </p:cNvPr>
@@ -783,7 +783,7 @@
           <p:cNvPr id="3" name="内容占位符 2">
             <a:extLst>
               <a:ext uri="{FF2B5EF4-FFF2-40B4-BE49-F238E27FC236}">
-                <a16:creationId xmlns:a16="http://schemas.microsoft.com/office/drawing/2014/main" id="{67CF3F00-00F3-7D2E-1A53-6B37325E032C}"/>
+                <a16:creationId xmlns:a16="http://schemas.microsoft.com/office/drawing/2014/main" id="{BC7AE516-8E90-ADA3-32EA-EE8C5AD3ACB3}"/>
               </a:ext>
             </a:extLst>
           </p:cNvPr>
@@ -840,7 +840,7 @@
           <p:cNvPr id="4" name="日期占位符 3">
             <a:extLst>
               <a:ext uri="{FF2B5EF4-FFF2-40B4-BE49-F238E27FC236}">
-                <a16:creationId xmlns:a16="http://schemas.microsoft.com/office/drawing/2014/main" id="{8D836DE6-82B3-BA03-3D59-5BF1F0173BB3}"/>
+                <a16:creationId xmlns:a16="http://schemas.microsoft.com/office/drawing/2014/main" id="{22D950CB-DC7B-28BC-3D86-90463E78F7FB}"/>
               </a:ext>
             </a:extLst>
           </p:cNvPr>
@@ -856,7 +856,7 @@
           <a:bodyPr/>
           <a:lstStyle/>
           <a:p>
-            <a:fld id="{EE209A51-9B55-4F21-9FA4-884F2AFE8985}" type="datetimeFigureOut">
+            <a:fld id="{C2ED35D0-BBED-470F-B095-D8A0B8A1B523}" type="datetimeFigureOut">
               <a:rPr lang="zh-CN" altLang="en-US" smtClean="0"/>
               <a:t>2024/3/10</a:t>
             </a:fld>
@@ -869,7 +869,7 @@
           <p:cNvPr id="5" name="页脚占位符 4">
             <a:extLst>
               <a:ext uri="{FF2B5EF4-FFF2-40B4-BE49-F238E27FC236}">
-                <a16:creationId xmlns:a16="http://schemas.microsoft.com/office/drawing/2014/main" id="{617599EA-68EF-D135-AF7E-AB893322F973}"/>
+                <a16:creationId xmlns:a16="http://schemas.microsoft.com/office/drawing/2014/main" id="{6EF97BBC-08DD-F32E-EB19-270D8DE7ADCE}"/>
               </a:ext>
             </a:extLst>
           </p:cNvPr>
@@ -894,7 +894,7 @@
           <p:cNvPr id="6" name="灯片编号占位符 5">
             <a:extLst>
               <a:ext uri="{FF2B5EF4-FFF2-40B4-BE49-F238E27FC236}">
-                <a16:creationId xmlns:a16="http://schemas.microsoft.com/office/drawing/2014/main" id="{2886224D-B70C-87A9-280F-217DD817997F}"/>
+                <a16:creationId xmlns:a16="http://schemas.microsoft.com/office/drawing/2014/main" id="{4A3DB204-71C0-94A8-EF68-68979DF9DAF3}"/>
               </a:ext>
             </a:extLst>
           </p:cNvPr>
@@ -910,7 +910,7 @@
           <a:bodyPr/>
           <a:lstStyle/>
           <a:p>
-            <a:fld id="{28646147-EA34-43F9-A322-8E6C8F75007D}" type="slidenum">
+            <a:fld id="{865D3A71-B1BA-4AD1-BF83-EEEB8943399D}" type="slidenum">
               <a:rPr lang="zh-CN" altLang="en-US" smtClean="0"/>
               <a:t>‹#›</a:t>
             </a:fld>
@@ -921,7 +921,7 @@
     </p:spTree>
     <p:extLst>
       <p:ext uri="{BB962C8B-B14F-4D97-AF65-F5344CB8AC3E}">
-        <p14:creationId xmlns:p14="http://schemas.microsoft.com/office/powerpoint/2010/main" val="517796582"/>
+        <p14:creationId xmlns:p14="http://schemas.microsoft.com/office/powerpoint/2010/main" val="296581968"/>
       </p:ext>
     </p:extLst>
   </p:cSld>
@@ -953,7 +953,7 @@
           <p:cNvPr id="2" name="标题 1">
             <a:extLst>
               <a:ext uri="{FF2B5EF4-FFF2-40B4-BE49-F238E27FC236}">
-                <a16:creationId xmlns:a16="http://schemas.microsoft.com/office/drawing/2014/main" id="{0E1899AF-584B-2C56-783B-D044E85F93BB}"/>
+                <a16:creationId xmlns:a16="http://schemas.microsoft.com/office/drawing/2014/main" id="{8EE161C1-FD5D-7286-790B-F9B882550C69}"/>
               </a:ext>
             </a:extLst>
           </p:cNvPr>
@@ -990,7 +990,7 @@
           <p:cNvPr id="3" name="文本占位符 2">
             <a:extLst>
               <a:ext uri="{FF2B5EF4-FFF2-40B4-BE49-F238E27FC236}">
-                <a16:creationId xmlns:a16="http://schemas.microsoft.com/office/drawing/2014/main" id="{96652A0A-6C31-79E4-93F1-33F32D04AED7}"/>
+                <a16:creationId xmlns:a16="http://schemas.microsoft.com/office/drawing/2014/main" id="{5C3C2400-2FF7-2C8C-DDFD-1FD980A71ACD}"/>
               </a:ext>
             </a:extLst>
           </p:cNvPr>
@@ -1115,7 +1115,7 @@
           <p:cNvPr id="4" name="日期占位符 3">
             <a:extLst>
               <a:ext uri="{FF2B5EF4-FFF2-40B4-BE49-F238E27FC236}">
-                <a16:creationId xmlns:a16="http://schemas.microsoft.com/office/drawing/2014/main" id="{66C3B843-B988-7FC6-C25D-4397E9188822}"/>
+                <a16:creationId xmlns:a16="http://schemas.microsoft.com/office/drawing/2014/main" id="{6720AC1A-5039-A6CF-B8A6-B9AF5538479A}"/>
               </a:ext>
             </a:extLst>
           </p:cNvPr>
@@ -1131,7 +1131,7 @@
           <a:bodyPr/>
           <a:lstStyle/>
           <a:p>
-            <a:fld id="{EE209A51-9B55-4F21-9FA4-884F2AFE8985}" type="datetimeFigureOut">
+            <a:fld id="{C2ED35D0-BBED-470F-B095-D8A0B8A1B523}" type="datetimeFigureOut">
               <a:rPr lang="zh-CN" altLang="en-US" smtClean="0"/>
               <a:t>2024/3/10</a:t>
             </a:fld>
@@ -1144,7 +1144,7 @@
           <p:cNvPr id="5" name="页脚占位符 4">
             <a:extLst>
               <a:ext uri="{FF2B5EF4-FFF2-40B4-BE49-F238E27FC236}">
-                <a16:creationId xmlns:a16="http://schemas.microsoft.com/office/drawing/2014/main" id="{A52648E1-A1F8-4392-DAC8-19CC5D52BF19}"/>
+                <a16:creationId xmlns:a16="http://schemas.microsoft.com/office/drawing/2014/main" id="{D0A6E5FB-668A-3C41-5DBD-43378CF14FA0}"/>
               </a:ext>
             </a:extLst>
           </p:cNvPr>
@@ -1169,7 +1169,7 @@
           <p:cNvPr id="6" name="灯片编号占位符 5">
             <a:extLst>
               <a:ext uri="{FF2B5EF4-FFF2-40B4-BE49-F238E27FC236}">
-                <a16:creationId xmlns:a16="http://schemas.microsoft.com/office/drawing/2014/main" id="{1FFD2D14-BF61-F2FF-08DC-E3C1FFA81009}"/>
+                <a16:creationId xmlns:a16="http://schemas.microsoft.com/office/drawing/2014/main" id="{69E4C67B-03EF-F79D-6EA3-FFAF2ED51B6E}"/>
               </a:ext>
             </a:extLst>
           </p:cNvPr>
@@ -1185,7 +1185,7 @@
           <a:bodyPr/>
           <a:lstStyle/>
           <a:p>
-            <a:fld id="{28646147-EA34-43F9-A322-8E6C8F75007D}" type="slidenum">
+            <a:fld id="{865D3A71-B1BA-4AD1-BF83-EEEB8943399D}" type="slidenum">
               <a:rPr lang="zh-CN" altLang="en-US" smtClean="0"/>
               <a:t>‹#›</a:t>
             </a:fld>
@@ -1196,7 +1196,7 @@
     </p:spTree>
     <p:extLst>
       <p:ext uri="{BB962C8B-B14F-4D97-AF65-F5344CB8AC3E}">
-        <p14:creationId xmlns:p14="http://schemas.microsoft.com/office/powerpoint/2010/main" val="2134334956"/>
+        <p14:creationId xmlns:p14="http://schemas.microsoft.com/office/powerpoint/2010/main" val="2751767765"/>
       </p:ext>
     </p:extLst>
   </p:cSld>
@@ -1228,7 +1228,7 @@
           <p:cNvPr id="2" name="标题 1">
             <a:extLst>
               <a:ext uri="{FF2B5EF4-FFF2-40B4-BE49-F238E27FC236}">
-                <a16:creationId xmlns:a16="http://schemas.microsoft.com/office/drawing/2014/main" id="{E3D99571-9509-26AA-D96C-0F887F735D1A}"/>
+                <a16:creationId xmlns:a16="http://schemas.microsoft.com/office/drawing/2014/main" id="{0DEF384F-DE1A-6BBB-CCCB-507F0F77F64D}"/>
               </a:ext>
             </a:extLst>
           </p:cNvPr>
@@ -1256,7 +1256,7 @@
           <p:cNvPr id="3" name="内容占位符 2">
             <a:extLst>
               <a:ext uri="{FF2B5EF4-FFF2-40B4-BE49-F238E27FC236}">
-                <a16:creationId xmlns:a16="http://schemas.microsoft.com/office/drawing/2014/main" id="{E78D65A8-1C2C-4432-2D22-7DB1A8F3F2FF}"/>
+                <a16:creationId xmlns:a16="http://schemas.microsoft.com/office/drawing/2014/main" id="{0AB26948-E5FF-F71A-7656-536568C0918F}"/>
               </a:ext>
             </a:extLst>
           </p:cNvPr>
@@ -1318,7 +1318,7 @@
           <p:cNvPr id="4" name="内容占位符 3">
             <a:extLst>
               <a:ext uri="{FF2B5EF4-FFF2-40B4-BE49-F238E27FC236}">
-                <a16:creationId xmlns:a16="http://schemas.microsoft.com/office/drawing/2014/main" id="{066B27B4-EF80-BEC5-784F-D316F3FBC5A9}"/>
+                <a16:creationId xmlns:a16="http://schemas.microsoft.com/office/drawing/2014/main" id="{B23E6B0F-7569-391F-ED01-1DBA56B73F6B}"/>
               </a:ext>
             </a:extLst>
           </p:cNvPr>
@@ -1380,7 +1380,7 @@
           <p:cNvPr id="5" name="日期占位符 4">
             <a:extLst>
               <a:ext uri="{FF2B5EF4-FFF2-40B4-BE49-F238E27FC236}">
-                <a16:creationId xmlns:a16="http://schemas.microsoft.com/office/drawing/2014/main" id="{5A54F5BF-5F15-BA84-CD21-6B9A886D43E9}"/>
+                <a16:creationId xmlns:a16="http://schemas.microsoft.com/office/drawing/2014/main" id="{0D350AF1-EB16-E775-431C-8D700EB37EFA}"/>
               </a:ext>
             </a:extLst>
           </p:cNvPr>
@@ -1396,7 +1396,7 @@
           <a:bodyPr/>
           <a:lstStyle/>
           <a:p>
-            <a:fld id="{EE209A51-9B55-4F21-9FA4-884F2AFE8985}" type="datetimeFigureOut">
+            <a:fld id="{C2ED35D0-BBED-470F-B095-D8A0B8A1B523}" type="datetimeFigureOut">
               <a:rPr lang="zh-CN" altLang="en-US" smtClean="0"/>
               <a:t>2024/3/10</a:t>
             </a:fld>
@@ -1409,7 +1409,7 @@
           <p:cNvPr id="6" name="页脚占位符 5">
             <a:extLst>
               <a:ext uri="{FF2B5EF4-FFF2-40B4-BE49-F238E27FC236}">
-                <a16:creationId xmlns:a16="http://schemas.microsoft.com/office/drawing/2014/main" id="{336772D6-C334-BE4E-7FEA-0FA067BCA7D7}"/>
+                <a16:creationId xmlns:a16="http://schemas.microsoft.com/office/drawing/2014/main" id="{9EDAB0C1-5B20-233F-2A6D-673C5F5E0975}"/>
               </a:ext>
             </a:extLst>
           </p:cNvPr>
@@ -1434,7 +1434,7 @@
           <p:cNvPr id="7" name="灯片编号占位符 6">
             <a:extLst>
               <a:ext uri="{FF2B5EF4-FFF2-40B4-BE49-F238E27FC236}">
-                <a16:creationId xmlns:a16="http://schemas.microsoft.com/office/drawing/2014/main" id="{1EB52EE9-DA38-EACE-378A-9822C7DA8E2C}"/>
+                <a16:creationId xmlns:a16="http://schemas.microsoft.com/office/drawing/2014/main" id="{C250B71E-550C-D2FF-2B5D-9CA92F881D56}"/>
               </a:ext>
             </a:extLst>
           </p:cNvPr>
@@ -1450,7 +1450,7 @@
           <a:bodyPr/>
           <a:lstStyle/>
           <a:p>
-            <a:fld id="{28646147-EA34-43F9-A322-8E6C8F75007D}" type="slidenum">
+            <a:fld id="{865D3A71-B1BA-4AD1-BF83-EEEB8943399D}" type="slidenum">
               <a:rPr lang="zh-CN" altLang="en-US" smtClean="0"/>
               <a:t>‹#›</a:t>
             </a:fld>
@@ -1461,7 +1461,7 @@
     </p:spTree>
     <p:extLst>
       <p:ext uri="{BB962C8B-B14F-4D97-AF65-F5344CB8AC3E}">
-        <p14:creationId xmlns:p14="http://schemas.microsoft.com/office/powerpoint/2010/main" val="1433221281"/>
+        <p14:creationId xmlns:p14="http://schemas.microsoft.com/office/powerpoint/2010/main" val="4289327188"/>
       </p:ext>
     </p:extLst>
   </p:cSld>
@@ -1493,7 +1493,7 @@
           <p:cNvPr id="2" name="标题 1">
             <a:extLst>
               <a:ext uri="{FF2B5EF4-FFF2-40B4-BE49-F238E27FC236}">
-                <a16:creationId xmlns:a16="http://schemas.microsoft.com/office/drawing/2014/main" id="{AB00E905-F9F7-F9FA-9E01-A6F05BD6AC46}"/>
+                <a16:creationId xmlns:a16="http://schemas.microsoft.com/office/drawing/2014/main" id="{D07CF1E5-8141-7EC3-BB96-1BB20D66D97C}"/>
               </a:ext>
             </a:extLst>
           </p:cNvPr>
@@ -1526,7 +1526,7 @@
           <p:cNvPr id="3" name="文本占位符 2">
             <a:extLst>
               <a:ext uri="{FF2B5EF4-FFF2-40B4-BE49-F238E27FC236}">
-                <a16:creationId xmlns:a16="http://schemas.microsoft.com/office/drawing/2014/main" id="{B370DC71-4232-876F-0706-48A489C21E1D}"/>
+                <a16:creationId xmlns:a16="http://schemas.microsoft.com/office/drawing/2014/main" id="{564A9267-FFE4-4FA9-E6AE-4951A3FDBA01}"/>
               </a:ext>
             </a:extLst>
           </p:cNvPr>
@@ -1597,7 +1597,7 @@
           <p:cNvPr id="4" name="内容占位符 3">
             <a:extLst>
               <a:ext uri="{FF2B5EF4-FFF2-40B4-BE49-F238E27FC236}">
-                <a16:creationId xmlns:a16="http://schemas.microsoft.com/office/drawing/2014/main" id="{D3BE6243-CD58-A097-FAFE-39ACE402339E}"/>
+                <a16:creationId xmlns:a16="http://schemas.microsoft.com/office/drawing/2014/main" id="{7416999C-BF3F-2130-3756-579B2FF60989}"/>
               </a:ext>
             </a:extLst>
           </p:cNvPr>
@@ -1659,7 +1659,7 @@
           <p:cNvPr id="5" name="文本占位符 4">
             <a:extLst>
               <a:ext uri="{FF2B5EF4-FFF2-40B4-BE49-F238E27FC236}">
-                <a16:creationId xmlns:a16="http://schemas.microsoft.com/office/drawing/2014/main" id="{876CD261-7651-A4D2-E82A-166FD7EE03A5}"/>
+                <a16:creationId xmlns:a16="http://schemas.microsoft.com/office/drawing/2014/main" id="{9488319B-48FB-A72E-EBC7-DF0A3560943A}"/>
               </a:ext>
             </a:extLst>
           </p:cNvPr>
@@ -1730,7 +1730,7 @@
           <p:cNvPr id="6" name="内容占位符 5">
             <a:extLst>
               <a:ext uri="{FF2B5EF4-FFF2-40B4-BE49-F238E27FC236}">
-                <a16:creationId xmlns:a16="http://schemas.microsoft.com/office/drawing/2014/main" id="{DE250E03-1FA8-2751-E032-73EDC0B175A1}"/>
+                <a16:creationId xmlns:a16="http://schemas.microsoft.com/office/drawing/2014/main" id="{E1F10E61-5ABE-DB7C-0A6A-C35872AA950F}"/>
               </a:ext>
             </a:extLst>
           </p:cNvPr>
@@ -1792,7 +1792,7 @@
           <p:cNvPr id="7" name="日期占位符 6">
             <a:extLst>
               <a:ext uri="{FF2B5EF4-FFF2-40B4-BE49-F238E27FC236}">
-                <a16:creationId xmlns:a16="http://schemas.microsoft.com/office/drawing/2014/main" id="{149EBEC6-5D36-E5CD-D7F9-732744728C42}"/>
+                <a16:creationId xmlns:a16="http://schemas.microsoft.com/office/drawing/2014/main" id="{CA7203A8-6625-0DB9-F3E7-9232FD335590}"/>
               </a:ext>
             </a:extLst>
           </p:cNvPr>
@@ -1808,7 +1808,7 @@
           <a:bodyPr/>
           <a:lstStyle/>
           <a:p>
-            <a:fld id="{EE209A51-9B55-4F21-9FA4-884F2AFE8985}" type="datetimeFigureOut">
+            <a:fld id="{C2ED35D0-BBED-470F-B095-D8A0B8A1B523}" type="datetimeFigureOut">
               <a:rPr lang="zh-CN" altLang="en-US" smtClean="0"/>
               <a:t>2024/3/10</a:t>
             </a:fld>
@@ -1821,7 +1821,7 @@
           <p:cNvPr id="8" name="页脚占位符 7">
             <a:extLst>
               <a:ext uri="{FF2B5EF4-FFF2-40B4-BE49-F238E27FC236}">
-                <a16:creationId xmlns:a16="http://schemas.microsoft.com/office/drawing/2014/main" id="{0811776A-C186-E79F-E541-CC5FB091EAB6}"/>
+                <a16:creationId xmlns:a16="http://schemas.microsoft.com/office/drawing/2014/main" id="{1ACAC8A2-CA38-D3ED-21BD-A40A453B2AA8}"/>
               </a:ext>
             </a:extLst>
           </p:cNvPr>
@@ -1846,7 +1846,7 @@
           <p:cNvPr id="9" name="灯片编号占位符 8">
             <a:extLst>
               <a:ext uri="{FF2B5EF4-FFF2-40B4-BE49-F238E27FC236}">
-                <a16:creationId xmlns:a16="http://schemas.microsoft.com/office/drawing/2014/main" id="{F313CC04-6C32-E63B-2148-CFC35A0F8E5F}"/>
+                <a16:creationId xmlns:a16="http://schemas.microsoft.com/office/drawing/2014/main" id="{7AFF4CB2-CE49-D850-C9F6-69877EBBB93A}"/>
               </a:ext>
             </a:extLst>
           </p:cNvPr>
@@ -1862,7 +1862,7 @@
           <a:bodyPr/>
           <a:lstStyle/>
           <a:p>
-            <a:fld id="{28646147-EA34-43F9-A322-8E6C8F75007D}" type="slidenum">
+            <a:fld id="{865D3A71-B1BA-4AD1-BF83-EEEB8943399D}" type="slidenum">
               <a:rPr lang="zh-CN" altLang="en-US" smtClean="0"/>
               <a:t>‹#›</a:t>
             </a:fld>
@@ -1873,7 +1873,7 @@
     </p:spTree>
     <p:extLst>
       <p:ext uri="{BB962C8B-B14F-4D97-AF65-F5344CB8AC3E}">
-        <p14:creationId xmlns:p14="http://schemas.microsoft.com/office/powerpoint/2010/main" val="2006853202"/>
+        <p14:creationId xmlns:p14="http://schemas.microsoft.com/office/powerpoint/2010/main" val="3064858760"/>
       </p:ext>
     </p:extLst>
   </p:cSld>
@@ -1905,7 +1905,7 @@
           <p:cNvPr id="2" name="标题 1">
             <a:extLst>
               <a:ext uri="{FF2B5EF4-FFF2-40B4-BE49-F238E27FC236}">
-                <a16:creationId xmlns:a16="http://schemas.microsoft.com/office/drawing/2014/main" id="{B38513EC-3F1F-21DE-42E7-EE3990043536}"/>
+                <a16:creationId xmlns:a16="http://schemas.microsoft.com/office/drawing/2014/main" id="{089AED98-01E3-7906-AE57-72D5C59D4647}"/>
               </a:ext>
             </a:extLst>
           </p:cNvPr>
@@ -1933,7 +1933,7 @@
           <p:cNvPr id="3" name="日期占位符 2">
             <a:extLst>
               <a:ext uri="{FF2B5EF4-FFF2-40B4-BE49-F238E27FC236}">
-                <a16:creationId xmlns:a16="http://schemas.microsoft.com/office/drawing/2014/main" id="{2FB641C8-02A0-A1C3-3228-B60C8A7CB1A2}"/>
+                <a16:creationId xmlns:a16="http://schemas.microsoft.com/office/drawing/2014/main" id="{66C1747D-44A9-ED1A-5C24-A62A101CCBFD}"/>
               </a:ext>
             </a:extLst>
           </p:cNvPr>
@@ -1949,7 +1949,7 @@
           <a:bodyPr/>
           <a:lstStyle/>
           <a:p>
-            <a:fld id="{EE209A51-9B55-4F21-9FA4-884F2AFE8985}" type="datetimeFigureOut">
+            <a:fld id="{C2ED35D0-BBED-470F-B095-D8A0B8A1B523}" type="datetimeFigureOut">
               <a:rPr lang="zh-CN" altLang="en-US" smtClean="0"/>
               <a:t>2024/3/10</a:t>
             </a:fld>
@@ -1962,7 +1962,7 @@
           <p:cNvPr id="4" name="页脚占位符 3">
             <a:extLst>
               <a:ext uri="{FF2B5EF4-FFF2-40B4-BE49-F238E27FC236}">
-                <a16:creationId xmlns:a16="http://schemas.microsoft.com/office/drawing/2014/main" id="{E5D91B36-FE1B-E2AC-9654-5A22A2267C3D}"/>
+                <a16:creationId xmlns:a16="http://schemas.microsoft.com/office/drawing/2014/main" id="{494F33B2-856A-99AA-A526-96748FFEC3E5}"/>
               </a:ext>
             </a:extLst>
           </p:cNvPr>
@@ -1987,7 +1987,7 @@
           <p:cNvPr id="5" name="灯片编号占位符 4">
             <a:extLst>
               <a:ext uri="{FF2B5EF4-FFF2-40B4-BE49-F238E27FC236}">
-                <a16:creationId xmlns:a16="http://schemas.microsoft.com/office/drawing/2014/main" id="{13AC7B8D-4BD9-0E79-535B-10029E3A2315}"/>
+                <a16:creationId xmlns:a16="http://schemas.microsoft.com/office/drawing/2014/main" id="{0628C911-6916-73DF-FB7B-57699057729F}"/>
               </a:ext>
             </a:extLst>
           </p:cNvPr>
@@ -2003,7 +2003,7 @@
           <a:bodyPr/>
           <a:lstStyle/>
           <a:p>
-            <a:fld id="{28646147-EA34-43F9-A322-8E6C8F75007D}" type="slidenum">
+            <a:fld id="{865D3A71-B1BA-4AD1-BF83-EEEB8943399D}" type="slidenum">
               <a:rPr lang="zh-CN" altLang="en-US" smtClean="0"/>
               <a:t>‹#›</a:t>
             </a:fld>
@@ -2014,7 +2014,7 @@
     </p:spTree>
     <p:extLst>
       <p:ext uri="{BB962C8B-B14F-4D97-AF65-F5344CB8AC3E}">
-        <p14:creationId xmlns:p14="http://schemas.microsoft.com/office/powerpoint/2010/main" val="2184514053"/>
+        <p14:creationId xmlns:p14="http://schemas.microsoft.com/office/powerpoint/2010/main" val="3779114116"/>
       </p:ext>
     </p:extLst>
   </p:cSld>
@@ -2046,7 +2046,7 @@
           <p:cNvPr id="2" name="日期占位符 1">
             <a:extLst>
               <a:ext uri="{FF2B5EF4-FFF2-40B4-BE49-F238E27FC236}">
-                <a16:creationId xmlns:a16="http://schemas.microsoft.com/office/drawing/2014/main" id="{0CD353D3-6955-B09A-F7B7-C7CD6C777FBB}"/>
+                <a16:creationId xmlns:a16="http://schemas.microsoft.com/office/drawing/2014/main" id="{A6F24E75-CF7B-F005-CB46-AF6CD5F046E5}"/>
               </a:ext>
             </a:extLst>
           </p:cNvPr>
@@ -2062,7 +2062,7 @@
           <a:bodyPr/>
           <a:lstStyle/>
           <a:p>
-            <a:fld id="{EE209A51-9B55-4F21-9FA4-884F2AFE8985}" type="datetimeFigureOut">
+            <a:fld id="{C2ED35D0-BBED-470F-B095-D8A0B8A1B523}" type="datetimeFigureOut">
               <a:rPr lang="zh-CN" altLang="en-US" smtClean="0"/>
               <a:t>2024/3/10</a:t>
             </a:fld>
@@ -2075,7 +2075,7 @@
           <p:cNvPr id="3" name="页脚占位符 2">
             <a:extLst>
               <a:ext uri="{FF2B5EF4-FFF2-40B4-BE49-F238E27FC236}">
-                <a16:creationId xmlns:a16="http://schemas.microsoft.com/office/drawing/2014/main" id="{33BA8E29-C64D-0EC7-650F-4195F0039B88}"/>
+                <a16:creationId xmlns:a16="http://schemas.microsoft.com/office/drawing/2014/main" id="{9713EE8A-BC65-CEEC-CDF0-E650DC87B654}"/>
               </a:ext>
             </a:extLst>
           </p:cNvPr>
@@ -2100,7 +2100,7 @@
           <p:cNvPr id="4" name="灯片编号占位符 3">
             <a:extLst>
               <a:ext uri="{FF2B5EF4-FFF2-40B4-BE49-F238E27FC236}">
-                <a16:creationId xmlns:a16="http://schemas.microsoft.com/office/drawing/2014/main" id="{348B2B20-D7A2-3130-783A-20D0FFE5BCB8}"/>
+                <a16:creationId xmlns:a16="http://schemas.microsoft.com/office/drawing/2014/main" id="{7F2BEACC-4B0D-7613-EFD8-B1401253C73E}"/>
               </a:ext>
             </a:extLst>
           </p:cNvPr>
@@ -2116,7 +2116,7 @@
           <a:bodyPr/>
           <a:lstStyle/>
           <a:p>
-            <a:fld id="{28646147-EA34-43F9-A322-8E6C8F75007D}" type="slidenum">
+            <a:fld id="{865D3A71-B1BA-4AD1-BF83-EEEB8943399D}" type="slidenum">
               <a:rPr lang="zh-CN" altLang="en-US" smtClean="0"/>
               <a:t>‹#›</a:t>
             </a:fld>
@@ -2127,7 +2127,7 @@
     </p:spTree>
     <p:extLst>
       <p:ext uri="{BB962C8B-B14F-4D97-AF65-F5344CB8AC3E}">
-        <p14:creationId xmlns:p14="http://schemas.microsoft.com/office/powerpoint/2010/main" val="2076061574"/>
+        <p14:creationId xmlns:p14="http://schemas.microsoft.com/office/powerpoint/2010/main" val="1507347497"/>
       </p:ext>
     </p:extLst>
   </p:cSld>
@@ -2159,7 +2159,7 @@
           <p:cNvPr id="2" name="标题 1">
             <a:extLst>
               <a:ext uri="{FF2B5EF4-FFF2-40B4-BE49-F238E27FC236}">
-                <a16:creationId xmlns:a16="http://schemas.microsoft.com/office/drawing/2014/main" id="{2F05D24C-6BF2-C83C-1DE0-EB2A6C75134F}"/>
+                <a16:creationId xmlns:a16="http://schemas.microsoft.com/office/drawing/2014/main" id="{B47E6424-A8C9-7252-FE72-188C8520EEC3}"/>
               </a:ext>
             </a:extLst>
           </p:cNvPr>
@@ -2196,7 +2196,7 @@
           <p:cNvPr id="3" name="内容占位符 2">
             <a:extLst>
               <a:ext uri="{FF2B5EF4-FFF2-40B4-BE49-F238E27FC236}">
-                <a16:creationId xmlns:a16="http://schemas.microsoft.com/office/drawing/2014/main" id="{D5D4023D-E01B-7C72-FE30-231661F07B25}"/>
+                <a16:creationId xmlns:a16="http://schemas.microsoft.com/office/drawing/2014/main" id="{822D4126-7E6D-7DAC-8DDC-699437AFD594}"/>
               </a:ext>
             </a:extLst>
           </p:cNvPr>
@@ -2286,7 +2286,7 @@
           <p:cNvPr id="4" name="文本占位符 3">
             <a:extLst>
               <a:ext uri="{FF2B5EF4-FFF2-40B4-BE49-F238E27FC236}">
-                <a16:creationId xmlns:a16="http://schemas.microsoft.com/office/drawing/2014/main" id="{BCB81724-917B-70C6-7E44-F01DC8369133}"/>
+                <a16:creationId xmlns:a16="http://schemas.microsoft.com/office/drawing/2014/main" id="{BC8BC4EA-CD3E-61A8-1725-873AE0B40276}"/>
               </a:ext>
             </a:extLst>
           </p:cNvPr>
@@ -2357,7 +2357,7 @@
           <p:cNvPr id="5" name="日期占位符 4">
             <a:extLst>
               <a:ext uri="{FF2B5EF4-FFF2-40B4-BE49-F238E27FC236}">
-                <a16:creationId xmlns:a16="http://schemas.microsoft.com/office/drawing/2014/main" id="{86243FD4-F4EE-877E-778D-0B7052AECB46}"/>
+                <a16:creationId xmlns:a16="http://schemas.microsoft.com/office/drawing/2014/main" id="{02B53FCD-56DE-F684-4D47-F7F7491A0F15}"/>
               </a:ext>
             </a:extLst>
           </p:cNvPr>
@@ -2373,7 +2373,7 @@
           <a:bodyPr/>
           <a:lstStyle/>
           <a:p>
-            <a:fld id="{EE209A51-9B55-4F21-9FA4-884F2AFE8985}" type="datetimeFigureOut">
+            <a:fld id="{C2ED35D0-BBED-470F-B095-D8A0B8A1B523}" type="datetimeFigureOut">
               <a:rPr lang="zh-CN" altLang="en-US" smtClean="0"/>
               <a:t>2024/3/10</a:t>
             </a:fld>
@@ -2386,7 +2386,7 @@
           <p:cNvPr id="6" name="页脚占位符 5">
             <a:extLst>
               <a:ext uri="{FF2B5EF4-FFF2-40B4-BE49-F238E27FC236}">
-                <a16:creationId xmlns:a16="http://schemas.microsoft.com/office/drawing/2014/main" id="{E8491331-0EDA-A48D-6210-8D0C60C66F51}"/>
+                <a16:creationId xmlns:a16="http://schemas.microsoft.com/office/drawing/2014/main" id="{54C17842-D926-761C-CF37-E69F91D8E32B}"/>
               </a:ext>
             </a:extLst>
           </p:cNvPr>
@@ -2411,7 +2411,7 @@
           <p:cNvPr id="7" name="灯片编号占位符 6">
             <a:extLst>
               <a:ext uri="{FF2B5EF4-FFF2-40B4-BE49-F238E27FC236}">
-                <a16:creationId xmlns:a16="http://schemas.microsoft.com/office/drawing/2014/main" id="{FAD914DB-8553-BE69-527B-EE3B21882E59}"/>
+                <a16:creationId xmlns:a16="http://schemas.microsoft.com/office/drawing/2014/main" id="{7816E8DE-27F8-C34E-7DE9-F31A0684A816}"/>
               </a:ext>
             </a:extLst>
           </p:cNvPr>
@@ -2427,7 +2427,7 @@
           <a:bodyPr/>
           <a:lstStyle/>
           <a:p>
-            <a:fld id="{28646147-EA34-43F9-A322-8E6C8F75007D}" type="slidenum">
+            <a:fld id="{865D3A71-B1BA-4AD1-BF83-EEEB8943399D}" type="slidenum">
               <a:rPr lang="zh-CN" altLang="en-US" smtClean="0"/>
               <a:t>‹#›</a:t>
             </a:fld>
@@ -2438,7 +2438,7 @@
     </p:spTree>
     <p:extLst>
       <p:ext uri="{BB962C8B-B14F-4D97-AF65-F5344CB8AC3E}">
-        <p14:creationId xmlns:p14="http://schemas.microsoft.com/office/powerpoint/2010/main" val="549617137"/>
+        <p14:creationId xmlns:p14="http://schemas.microsoft.com/office/powerpoint/2010/main" val="1384600816"/>
       </p:ext>
     </p:extLst>
   </p:cSld>
@@ -2470,7 +2470,7 @@
           <p:cNvPr id="2" name="标题 1">
             <a:extLst>
               <a:ext uri="{FF2B5EF4-FFF2-40B4-BE49-F238E27FC236}">
-                <a16:creationId xmlns:a16="http://schemas.microsoft.com/office/drawing/2014/main" id="{D4C2C031-0BAE-F5F9-4E21-BC5B7FBD7607}"/>
+                <a16:creationId xmlns:a16="http://schemas.microsoft.com/office/drawing/2014/main" id="{E7623DAD-33B9-7EA1-A7FD-1AEAE9E09A1B}"/>
               </a:ext>
             </a:extLst>
           </p:cNvPr>
@@ -2507,7 +2507,7 @@
           <p:cNvPr id="3" name="图片占位符 2">
             <a:extLst>
               <a:ext uri="{FF2B5EF4-FFF2-40B4-BE49-F238E27FC236}">
-                <a16:creationId xmlns:a16="http://schemas.microsoft.com/office/drawing/2014/main" id="{623BE26E-D77B-3811-4CA6-D3C4A37C74CF}"/>
+                <a16:creationId xmlns:a16="http://schemas.microsoft.com/office/drawing/2014/main" id="{8DB5567F-614C-2AE8-A6CF-CEBEB81B4D84}"/>
               </a:ext>
             </a:extLst>
           </p:cNvPr>
@@ -2574,7 +2574,7 @@
           <p:cNvPr id="4" name="文本占位符 3">
             <a:extLst>
               <a:ext uri="{FF2B5EF4-FFF2-40B4-BE49-F238E27FC236}">
-                <a16:creationId xmlns:a16="http://schemas.microsoft.com/office/drawing/2014/main" id="{612C4322-4747-8599-AF8B-846B62ABA2CF}"/>
+                <a16:creationId xmlns:a16="http://schemas.microsoft.com/office/drawing/2014/main" id="{5A4F0EA0-FDFC-062A-8E76-6E9D3F410922}"/>
               </a:ext>
             </a:extLst>
           </p:cNvPr>
@@ -2645,7 +2645,7 @@
           <p:cNvPr id="5" name="日期占位符 4">
             <a:extLst>
               <a:ext uri="{FF2B5EF4-FFF2-40B4-BE49-F238E27FC236}">
-                <a16:creationId xmlns:a16="http://schemas.microsoft.com/office/drawing/2014/main" id="{D417732D-7114-F3D2-4EB0-7CB6E896F149}"/>
+                <a16:creationId xmlns:a16="http://schemas.microsoft.com/office/drawing/2014/main" id="{F1E09F33-43FD-2C6F-08E8-C1241405102A}"/>
               </a:ext>
             </a:extLst>
           </p:cNvPr>
@@ -2661,7 +2661,7 @@
           <a:bodyPr/>
           <a:lstStyle/>
           <a:p>
-            <a:fld id="{EE209A51-9B55-4F21-9FA4-884F2AFE8985}" type="datetimeFigureOut">
+            <a:fld id="{C2ED35D0-BBED-470F-B095-D8A0B8A1B523}" type="datetimeFigureOut">
               <a:rPr lang="zh-CN" altLang="en-US" smtClean="0"/>
               <a:t>2024/3/10</a:t>
             </a:fld>
@@ -2674,7 +2674,7 @@
           <p:cNvPr id="6" name="页脚占位符 5">
             <a:extLst>
               <a:ext uri="{FF2B5EF4-FFF2-40B4-BE49-F238E27FC236}">
-                <a16:creationId xmlns:a16="http://schemas.microsoft.com/office/drawing/2014/main" id="{F7671E19-39BA-88C8-CB1A-65ECD1ED6F6A}"/>
+                <a16:creationId xmlns:a16="http://schemas.microsoft.com/office/drawing/2014/main" id="{D0C30379-ABFC-5BA0-F17C-57CEB73035A2}"/>
               </a:ext>
             </a:extLst>
           </p:cNvPr>
@@ -2699,7 +2699,7 @@
           <p:cNvPr id="7" name="灯片编号占位符 6">
             <a:extLst>
               <a:ext uri="{FF2B5EF4-FFF2-40B4-BE49-F238E27FC236}">
-                <a16:creationId xmlns:a16="http://schemas.microsoft.com/office/drawing/2014/main" id="{AB135478-6E69-33B3-8983-CDC4DF9944E4}"/>
+                <a16:creationId xmlns:a16="http://schemas.microsoft.com/office/drawing/2014/main" id="{0A47B806-E714-E5CE-B0B5-7166BDD056D5}"/>
               </a:ext>
             </a:extLst>
           </p:cNvPr>
@@ -2715,7 +2715,7 @@
           <a:bodyPr/>
           <a:lstStyle/>
           <a:p>
-            <a:fld id="{28646147-EA34-43F9-A322-8E6C8F75007D}" type="slidenum">
+            <a:fld id="{865D3A71-B1BA-4AD1-BF83-EEEB8943399D}" type="slidenum">
               <a:rPr lang="zh-CN" altLang="en-US" smtClean="0"/>
               <a:t>‹#›</a:t>
             </a:fld>
@@ -2726,7 +2726,7 @@
     </p:spTree>
     <p:extLst>
       <p:ext uri="{BB962C8B-B14F-4D97-AF65-F5344CB8AC3E}">
-        <p14:creationId xmlns:p14="http://schemas.microsoft.com/office/powerpoint/2010/main" val="4058532747"/>
+        <p14:creationId xmlns:p14="http://schemas.microsoft.com/office/powerpoint/2010/main" val="2042795281"/>
       </p:ext>
     </p:extLst>
   </p:cSld>
@@ -2763,7 +2763,7 @@
           <p:cNvPr id="2" name="标题占位符 1">
             <a:extLst>
               <a:ext uri="{FF2B5EF4-FFF2-40B4-BE49-F238E27FC236}">
-                <a16:creationId xmlns:a16="http://schemas.microsoft.com/office/drawing/2014/main" id="{753E1E6A-C051-A4F9-17C0-A4ED08E7E1A3}"/>
+                <a16:creationId xmlns:a16="http://schemas.microsoft.com/office/drawing/2014/main" id="{86B77C39-ACF7-F0A4-608D-B2C7A4175B5C}"/>
               </a:ext>
             </a:extLst>
           </p:cNvPr>
@@ -2801,7 +2801,7 @@
           <p:cNvPr id="3" name="文本占位符 2">
             <a:extLst>
               <a:ext uri="{FF2B5EF4-FFF2-40B4-BE49-F238E27FC236}">
-                <a16:creationId xmlns:a16="http://schemas.microsoft.com/office/drawing/2014/main" id="{1E73B9D4-57F8-09A8-91E9-D0F74C199504}"/>
+                <a16:creationId xmlns:a16="http://schemas.microsoft.com/office/drawing/2014/main" id="{DB87BF08-95FB-6887-73B7-DB502B8E31D0}"/>
               </a:ext>
             </a:extLst>
           </p:cNvPr>
@@ -2868,7 +2868,7 @@
           <p:cNvPr id="4" name="日期占位符 3">
             <a:extLst>
               <a:ext uri="{FF2B5EF4-FFF2-40B4-BE49-F238E27FC236}">
-                <a16:creationId xmlns:a16="http://schemas.microsoft.com/office/drawing/2014/main" id="{3E694C49-D152-B32C-AF55-31E4C3C9A437}"/>
+                <a16:creationId xmlns:a16="http://schemas.microsoft.com/office/drawing/2014/main" id="{7D83A166-34E1-9206-B24F-F1F90CC92591}"/>
               </a:ext>
             </a:extLst>
           </p:cNvPr>
@@ -2902,7 +2902,7 @@
             </a:lvl1pPr>
           </a:lstStyle>
           <a:p>
-            <a:fld id="{EE209A51-9B55-4F21-9FA4-884F2AFE8985}" type="datetimeFigureOut">
+            <a:fld id="{C2ED35D0-BBED-470F-B095-D8A0B8A1B523}" type="datetimeFigureOut">
               <a:rPr lang="zh-CN" altLang="en-US" smtClean="0"/>
               <a:t>2024/3/10</a:t>
             </a:fld>
@@ -2915,7 +2915,7 @@
           <p:cNvPr id="5" name="页脚占位符 4">
             <a:extLst>
               <a:ext uri="{FF2B5EF4-FFF2-40B4-BE49-F238E27FC236}">
-                <a16:creationId xmlns:a16="http://schemas.microsoft.com/office/drawing/2014/main" id="{85A9D397-3B22-9AE7-EF14-3471D827293A}"/>
+                <a16:creationId xmlns:a16="http://schemas.microsoft.com/office/drawing/2014/main" id="{5A7971E2-164F-2C14-8E4B-A86ACE9D136F}"/>
               </a:ext>
             </a:extLst>
           </p:cNvPr>
@@ -2958,7 +2958,7 @@
           <p:cNvPr id="6" name="灯片编号占位符 5">
             <a:extLst>
               <a:ext uri="{FF2B5EF4-FFF2-40B4-BE49-F238E27FC236}">
-                <a16:creationId xmlns:a16="http://schemas.microsoft.com/office/drawing/2014/main" id="{71519737-13D1-83AC-DF12-5001AD538967}"/>
+                <a16:creationId xmlns:a16="http://schemas.microsoft.com/office/drawing/2014/main" id="{713546D0-CE5E-9C81-F2FC-9C642A6AC016}"/>
               </a:ext>
             </a:extLst>
           </p:cNvPr>
@@ -2992,7 +2992,7 @@
             </a:lvl1pPr>
           </a:lstStyle>
           <a:p>
-            <a:fld id="{28646147-EA34-43F9-A322-8E6C8F75007D}" type="slidenum">
+            <a:fld id="{865D3A71-B1BA-4AD1-BF83-EEEB8943399D}" type="slidenum">
               <a:rPr lang="zh-CN" altLang="en-US" smtClean="0"/>
               <a:t>‹#›</a:t>
             </a:fld>
@@ -3003,7 +3003,7 @@
     </p:spTree>
     <p:extLst>
       <p:ext uri="{BB962C8B-B14F-4D97-AF65-F5344CB8AC3E}">
-        <p14:creationId xmlns:p14="http://schemas.microsoft.com/office/powerpoint/2010/main" val="1996879900"/>
+        <p14:creationId xmlns:p14="http://schemas.microsoft.com/office/powerpoint/2010/main" val="3725907179"/>
       </p:ext>
     </p:extLst>
   </p:cSld>
@@ -3323,7 +3323,7 @@
       </p:grpSpPr>
       <p:pic>
         <p:nvPicPr>
-          <p:cNvPr id="1025026" name="Picture 2" descr="1000"/>
+          <p:cNvPr id="1026050" name="Picture 2" descr="1001"/>
           <p:cNvPicPr>
             <a:picLocks noChangeAspect="1" noChangeArrowheads="1"/>
           </p:cNvPicPr>
@@ -3344,8 +3344,8 @@
         </p:blipFill>
         <p:spPr bwMode="auto">
           <a:xfrm>
-            <a:off x="1524000" y="0"/>
-            <a:ext cx="9144000" cy="5949950"/>
+            <a:off x="1543050" y="1"/>
+            <a:ext cx="9124950" cy="6843713"/>
           </a:xfrm>
           <a:prstGeom prst="rect">
             <a:avLst/>
